--- a/Examples/Data/Charts/Presentation_with_externalWorkbook.pptx
+++ b/Examples/Data/Charts/Presentation_with_externalWorkbook.pptx
@@ -1,6 +1,6 @@
 
 <file path=ppt/presentation.xml><?xml version="1.0" encoding="utf-8"?>
-<!--Generated by Aspose.Slides for .NET 19.6-->
+<!--Generated by Aspose.Slides for .NET 21.12-->
 <p:presentation xmlns:r="http://schemas.openxmlformats.org/officeDocument/2006/relationships" xmlns:a="http://schemas.openxmlformats.org/drawingml/2006/main" xmlns:p="http://schemas.openxmlformats.org/presentationml/2006/main" saveSubsetFonts="1">
   <p:sldMasterIdLst>
     <p:sldMasterId id="2147483648" r:id="rId1"/>
@@ -112,7 +112,7 @@
 </file>
 
 <file path=ppt/charts/chart1.xml><?xml version="1.0" encoding="utf-8"?>
-<c:chartSpace xmlns:a="http://schemas.openxmlformats.org/drawingml/2006/main" xmlns:r="http://schemas.openxmlformats.org/officeDocument/2006/relationships" xmlns:c="http://schemas.openxmlformats.org/drawingml/2006/chart">
+<c:chartSpace xmlns:a="http://schemas.openxmlformats.org/drawingml/2006/main" xmlns:r="http://schemas.openxmlformats.org/officeDocument/2006/relationships" xmlns:m="http://schemas.openxmlformats.org/officeDocument/2006/math" xmlns:w="http://schemas.openxmlformats.org/wordprocessingml/2006/main" xmlns:wp="http://schemas.openxmlformats.org/drawingml/2006/wordprocessingDrawing" xmlns:a14="http://schemas.microsoft.com/office/drawing/2010/main" xmlns:c="http://schemas.openxmlformats.org/drawingml/2006/chart">
   <c:date1904 val="0"/>
   <c:roundedCorners val="0"/>
   <mc:AlternateContent xmlns:mc="http://schemas.openxmlformats.org/markup-compatibility/2006">
@@ -204,11 +204,11 @@
 </file>
 
 <file path=ppt/slideLayouts/slideLayout1.xml><?xml version="1.0" encoding="utf-8"?>
-<p:sldLayout xmlns:a="http://schemas.openxmlformats.org/drawingml/2006/main" xmlns:r="http://schemas.openxmlformats.org/officeDocument/2006/relationships" xmlns:p14="http://schemas.microsoft.com/office/powerpoint/2010/main" xmlns:a14="http://schemas.microsoft.com/office/drawing/2010/main" xmlns:p15="http://schemas.microsoft.com/office/powerpoint/2012/main" xmlns:p159="http://schemas.microsoft.com/office/powerpoint/2015/09/main" xmlns:p="http://schemas.openxmlformats.org/presentationml/2006/main" type="title" preserve="1">
+<p:sldLayout xmlns:a="http://schemas.openxmlformats.org/drawingml/2006/main" xmlns:r="http://schemas.openxmlformats.org/officeDocument/2006/relationships" xmlns:m="http://schemas.openxmlformats.org/officeDocument/2006/math" xmlns:w="http://schemas.openxmlformats.org/wordprocessingml/2006/main" xmlns:wp="http://schemas.openxmlformats.org/drawingml/2006/wordprocessingDrawing" xmlns:a14="http://schemas.microsoft.com/office/drawing/2010/main" xmlns:mc="http://schemas.openxmlformats.org/markup-compatibility/2006" xmlns:p14="http://schemas.microsoft.com/office/powerpoint/2010/main" xmlns:p15="http://schemas.microsoft.com/office/powerpoint/2012/main" xmlns:p159="http://schemas.microsoft.com/office/powerpoint/2015/09/main" xmlns:p="http://schemas.openxmlformats.org/presentationml/2006/main" type="title" preserve="1">
   <p:cSld name="Title Slide">
     <p:spTree>
       <p:nvGrpSpPr>
-        <p:cNvPr id="1" name=""/>
+        <p:cNvPr id="1" name="" title=""/>
         <p:cNvGrpSpPr/>
         <p:nvPr/>
       </p:nvGrpSpPr>
@@ -220,7 +220,7 @@
       </p:grpSpPr>
       <p:sp>
         <p:nvSpPr>
-          <p:cNvPr id="2" name="Title 1"/>
+          <p:cNvPr id="2" name="Title 1" title=""/>
           <p:cNvSpPr>
             <a:spLocks noGrp="1"/>
           </p:cNvSpPr>
@@ -243,7 +243,7 @@
       </p:sp>
       <p:sp>
         <p:nvSpPr>
-          <p:cNvPr id="3" name="Subtitle 2"/>
+          <p:cNvPr id="3" name="Subtitle 2" title=""/>
           <p:cNvSpPr>
             <a:spLocks noGrp="1"/>
           </p:cNvSpPr>
@@ -357,7 +357,7 @@
       </p:sp>
       <p:sp>
         <p:nvSpPr>
-          <p:cNvPr id="4" name="Date Placeholder 3"/>
+          <p:cNvPr id="4" name="Date Placeholder 3" title=""/>
           <p:cNvSpPr>
             <a:spLocks noGrp="1"/>
           </p:cNvSpPr>
@@ -370,7 +370,7 @@
           <a:bodyPr/>
           <a:lstStyle/>
           <a:p>
-            <a:fld id="{CEF9046A-862B-4D14-B32B-B65A43332D4C}" type="datetimeFigureOut">
+            <a:fld id="{45C1A514-CA1F-4ED3-986D-C48CA0B61938}" type="datetimeFigureOut">
               <a:rPr lang="en-US" smtClean="0"/>
               <a:t>11/7/2009</a:t>
             </a:fld>
@@ -380,7 +380,7 @@
       </p:sp>
       <p:sp>
         <p:nvSpPr>
-          <p:cNvPr id="5" name="Footer Placeholder 4"/>
+          <p:cNvPr id="5" name="Footer Placeholder 4" title=""/>
           <p:cNvSpPr>
             <a:spLocks noGrp="1"/>
           </p:cNvSpPr>
@@ -399,7 +399,7 @@
       </p:sp>
       <p:sp>
         <p:nvSpPr>
-          <p:cNvPr id="6" name="Slide Number Placeholder 5"/>
+          <p:cNvPr id="6" name="Slide Number Placeholder 5" title=""/>
           <p:cNvSpPr>
             <a:spLocks noGrp="1"/>
           </p:cNvSpPr>
@@ -431,11 +431,11 @@
 </file>
 
 <file path=ppt/slideLayouts/slideLayout10.xml><?xml version="1.0" encoding="utf-8"?>
-<p:sldLayout xmlns:a="http://schemas.openxmlformats.org/drawingml/2006/main" xmlns:r="http://schemas.openxmlformats.org/officeDocument/2006/relationships" xmlns:p14="http://schemas.microsoft.com/office/powerpoint/2010/main" xmlns:a14="http://schemas.microsoft.com/office/drawing/2010/main" xmlns:p15="http://schemas.microsoft.com/office/powerpoint/2012/main" xmlns:p159="http://schemas.microsoft.com/office/powerpoint/2015/09/main" xmlns:p="http://schemas.openxmlformats.org/presentationml/2006/main" type="vertTx" preserve="1">
+<p:sldLayout xmlns:a="http://schemas.openxmlformats.org/drawingml/2006/main" xmlns:r="http://schemas.openxmlformats.org/officeDocument/2006/relationships" xmlns:m="http://schemas.openxmlformats.org/officeDocument/2006/math" xmlns:w="http://schemas.openxmlformats.org/wordprocessingml/2006/main" xmlns:wp="http://schemas.openxmlformats.org/drawingml/2006/wordprocessingDrawing" xmlns:a14="http://schemas.microsoft.com/office/drawing/2010/main" xmlns:mc="http://schemas.openxmlformats.org/markup-compatibility/2006" xmlns:p14="http://schemas.microsoft.com/office/powerpoint/2010/main" xmlns:p15="http://schemas.microsoft.com/office/powerpoint/2012/main" xmlns:p159="http://schemas.microsoft.com/office/powerpoint/2015/09/main" xmlns:p="http://schemas.openxmlformats.org/presentationml/2006/main" type="vertTx" preserve="1">
   <p:cSld name="Title and Vertical Text">
     <p:spTree>
       <p:nvGrpSpPr>
-        <p:cNvPr id="1" name=""/>
+        <p:cNvPr id="1" name="" title=""/>
         <p:cNvGrpSpPr/>
         <p:nvPr/>
       </p:nvGrpSpPr>
@@ -447,7 +447,7 @@
       </p:grpSpPr>
       <p:sp>
         <p:nvSpPr>
-          <p:cNvPr id="2" name="Title 1"/>
+          <p:cNvPr id="2" name="Title 1" title=""/>
           <p:cNvSpPr>
             <a:spLocks noGrp="1"/>
           </p:cNvSpPr>
@@ -470,7 +470,7 @@
       </p:sp>
       <p:sp>
         <p:nvSpPr>
-          <p:cNvPr id="3" name="Vertical Text Placeholder 2"/>
+          <p:cNvPr id="3" name="Vertical Text Placeholder 2" title=""/>
           <p:cNvSpPr>
             <a:spLocks noGrp="1"/>
           </p:cNvSpPr>
@@ -521,7 +521,7 @@
       </p:sp>
       <p:sp>
         <p:nvSpPr>
-          <p:cNvPr id="4" name="Date Placeholder 3"/>
+          <p:cNvPr id="4" name="Date Placeholder 3" title=""/>
           <p:cNvSpPr>
             <a:spLocks noGrp="1"/>
           </p:cNvSpPr>
@@ -534,7 +534,7 @@
           <a:bodyPr/>
           <a:lstStyle/>
           <a:p>
-            <a:fld id="{648499E2-7EEF-4FEF-829B-F3C7142E77A2}" type="datetimeFigureOut">
+            <a:fld id="{3BAEC67C-A463-4A66-862C-C69ADD35791E}" type="datetimeFigureOut">
               <a:rPr lang="en-US" smtClean="0"/>
               <a:t>11/7/2009</a:t>
             </a:fld>
@@ -544,7 +544,7 @@
       </p:sp>
       <p:sp>
         <p:nvSpPr>
-          <p:cNvPr id="5" name="Footer Placeholder 4"/>
+          <p:cNvPr id="5" name="Footer Placeholder 4" title=""/>
           <p:cNvSpPr>
             <a:spLocks noGrp="1"/>
           </p:cNvSpPr>
@@ -563,7 +563,7 @@
       </p:sp>
       <p:sp>
         <p:nvSpPr>
-          <p:cNvPr id="6" name="Slide Number Placeholder 5"/>
+          <p:cNvPr id="6" name="Slide Number Placeholder 5" title=""/>
           <p:cNvSpPr>
             <a:spLocks noGrp="1"/>
           </p:cNvSpPr>
@@ -595,11 +595,11 @@
 </file>
 
 <file path=ppt/slideLayouts/slideLayout11.xml><?xml version="1.0" encoding="utf-8"?>
-<p:sldLayout xmlns:a="http://schemas.openxmlformats.org/drawingml/2006/main" xmlns:r="http://schemas.openxmlformats.org/officeDocument/2006/relationships" xmlns:p14="http://schemas.microsoft.com/office/powerpoint/2010/main" xmlns:a14="http://schemas.microsoft.com/office/drawing/2010/main" xmlns:p15="http://schemas.microsoft.com/office/powerpoint/2012/main" xmlns:p159="http://schemas.microsoft.com/office/powerpoint/2015/09/main" xmlns:p="http://schemas.openxmlformats.org/presentationml/2006/main" type="vertTitleAndTx" preserve="1">
+<p:sldLayout xmlns:a="http://schemas.openxmlformats.org/drawingml/2006/main" xmlns:r="http://schemas.openxmlformats.org/officeDocument/2006/relationships" xmlns:m="http://schemas.openxmlformats.org/officeDocument/2006/math" xmlns:w="http://schemas.openxmlformats.org/wordprocessingml/2006/main" xmlns:wp="http://schemas.openxmlformats.org/drawingml/2006/wordprocessingDrawing" xmlns:a14="http://schemas.microsoft.com/office/drawing/2010/main" xmlns:mc="http://schemas.openxmlformats.org/markup-compatibility/2006" xmlns:p14="http://schemas.microsoft.com/office/powerpoint/2010/main" xmlns:p15="http://schemas.microsoft.com/office/powerpoint/2012/main" xmlns:p159="http://schemas.microsoft.com/office/powerpoint/2015/09/main" xmlns:p="http://schemas.openxmlformats.org/presentationml/2006/main" type="vertTitleAndTx" preserve="1">
   <p:cSld name="Vertical Title and Text">
     <p:spTree>
       <p:nvGrpSpPr>
-        <p:cNvPr id="1" name=""/>
+        <p:cNvPr id="1" name="" title=""/>
         <p:cNvGrpSpPr/>
         <p:nvPr/>
       </p:nvGrpSpPr>
@@ -611,7 +611,7 @@
       </p:grpSpPr>
       <p:sp>
         <p:nvSpPr>
-          <p:cNvPr id="2" name="Vertical Title 1"/>
+          <p:cNvPr id="2" name="Vertical Title 1" title=""/>
           <p:cNvSpPr>
             <a:spLocks noGrp="1"/>
           </p:cNvSpPr>
@@ -634,7 +634,7 @@
       </p:sp>
       <p:sp>
         <p:nvSpPr>
-          <p:cNvPr id="3" name="Vertical Text Placeholder 2"/>
+          <p:cNvPr id="3" name="Vertical Text Placeholder 2" title=""/>
           <p:cNvSpPr>
             <a:spLocks noGrp="1"/>
           </p:cNvSpPr>
@@ -685,7 +685,7 @@
       </p:sp>
       <p:sp>
         <p:nvSpPr>
-          <p:cNvPr id="4" name="Date Placeholder 3"/>
+          <p:cNvPr id="4" name="Date Placeholder 3" title=""/>
           <p:cNvSpPr>
             <a:spLocks noGrp="1"/>
           </p:cNvSpPr>
@@ -698,7 +698,7 @@
           <a:bodyPr/>
           <a:lstStyle/>
           <a:p>
-            <a:fld id="{0FB63051-8849-40E7-A978-334573E91B63}" type="datetimeFigureOut">
+            <a:fld id="{8FC1D77C-7321-4DAA-85B9-9D5A0C3331CC}" type="datetimeFigureOut">
               <a:rPr lang="en-US" smtClean="0"/>
               <a:t>11/7/2009</a:t>
             </a:fld>
@@ -708,7 +708,7 @@
       </p:sp>
       <p:sp>
         <p:nvSpPr>
-          <p:cNvPr id="5" name="Footer Placeholder 4"/>
+          <p:cNvPr id="5" name="Footer Placeholder 4" title=""/>
           <p:cNvSpPr>
             <a:spLocks noGrp="1"/>
           </p:cNvSpPr>
@@ -727,7 +727,7 @@
       </p:sp>
       <p:sp>
         <p:nvSpPr>
-          <p:cNvPr id="6" name="Slide Number Placeholder 5"/>
+          <p:cNvPr id="6" name="Slide Number Placeholder 5" title=""/>
           <p:cNvSpPr>
             <a:spLocks noGrp="1"/>
           </p:cNvSpPr>
@@ -759,11 +759,11 @@
 </file>
 
 <file path=ppt/slideLayouts/slideLayout2.xml><?xml version="1.0" encoding="utf-8"?>
-<p:sldLayout xmlns:a="http://schemas.openxmlformats.org/drawingml/2006/main" xmlns:r="http://schemas.openxmlformats.org/officeDocument/2006/relationships" xmlns:p14="http://schemas.microsoft.com/office/powerpoint/2010/main" xmlns:a14="http://schemas.microsoft.com/office/drawing/2010/main" xmlns:p15="http://schemas.microsoft.com/office/powerpoint/2012/main" xmlns:p159="http://schemas.microsoft.com/office/powerpoint/2015/09/main" xmlns:p="http://schemas.openxmlformats.org/presentationml/2006/main" type="obj" preserve="1">
+<p:sldLayout xmlns:a="http://schemas.openxmlformats.org/drawingml/2006/main" xmlns:r="http://schemas.openxmlformats.org/officeDocument/2006/relationships" xmlns:m="http://schemas.openxmlformats.org/officeDocument/2006/math" xmlns:w="http://schemas.openxmlformats.org/wordprocessingml/2006/main" xmlns:wp="http://schemas.openxmlformats.org/drawingml/2006/wordprocessingDrawing" xmlns:a14="http://schemas.microsoft.com/office/drawing/2010/main" xmlns:mc="http://schemas.openxmlformats.org/markup-compatibility/2006" xmlns:p14="http://schemas.microsoft.com/office/powerpoint/2010/main" xmlns:p15="http://schemas.microsoft.com/office/powerpoint/2012/main" xmlns:p159="http://schemas.microsoft.com/office/powerpoint/2015/09/main" xmlns:p="http://schemas.openxmlformats.org/presentationml/2006/main" type="obj" preserve="1">
   <p:cSld name="Title and Content">
     <p:spTree>
       <p:nvGrpSpPr>
-        <p:cNvPr id="1" name=""/>
+        <p:cNvPr id="1" name="" title=""/>
         <p:cNvGrpSpPr/>
         <p:nvPr/>
       </p:nvGrpSpPr>
@@ -775,7 +775,7 @@
       </p:grpSpPr>
       <p:sp>
         <p:nvSpPr>
-          <p:cNvPr id="2" name="Title 1"/>
+          <p:cNvPr id="2" name="Title 1" title=""/>
           <p:cNvSpPr>
             <a:spLocks noGrp="1"/>
           </p:cNvSpPr>
@@ -798,7 +798,7 @@
       </p:sp>
       <p:sp>
         <p:nvSpPr>
-          <p:cNvPr id="3" name="Content Placeholder 2"/>
+          <p:cNvPr id="3" name="Content Placeholder 2" title=""/>
           <p:cNvSpPr>
             <a:spLocks noGrp="1"/>
           </p:cNvSpPr>
@@ -849,7 +849,7 @@
       </p:sp>
       <p:sp>
         <p:nvSpPr>
-          <p:cNvPr id="4" name="Date Placeholder 3"/>
+          <p:cNvPr id="4" name="Date Placeholder 3" title=""/>
           <p:cNvSpPr>
             <a:spLocks noGrp="1"/>
           </p:cNvSpPr>
@@ -862,7 +862,7 @@
           <a:bodyPr/>
           <a:lstStyle/>
           <a:p>
-            <a:fld id="{27962588-E5D8-408A-B3B0-4FA67A9005B2}" type="datetimeFigureOut">
+            <a:fld id="{A93BCE0A-E9FC-4019-AAA9-1DB3433ECE0A}" type="datetimeFigureOut">
               <a:rPr lang="en-US" smtClean="0"/>
               <a:t>11/7/2009</a:t>
             </a:fld>
@@ -872,7 +872,7 @@
       </p:sp>
       <p:sp>
         <p:nvSpPr>
-          <p:cNvPr id="5" name="Footer Placeholder 4"/>
+          <p:cNvPr id="5" name="Footer Placeholder 4" title=""/>
           <p:cNvSpPr>
             <a:spLocks noGrp="1"/>
           </p:cNvSpPr>
@@ -891,7 +891,7 @@
       </p:sp>
       <p:sp>
         <p:nvSpPr>
-          <p:cNvPr id="6" name="Slide Number Placeholder 5"/>
+          <p:cNvPr id="6" name="Slide Number Placeholder 5" title=""/>
           <p:cNvSpPr>
             <a:spLocks noGrp="1"/>
           </p:cNvSpPr>
@@ -923,11 +923,11 @@
 </file>
 
 <file path=ppt/slideLayouts/slideLayout3.xml><?xml version="1.0" encoding="utf-8"?>
-<p:sldLayout xmlns:a="http://schemas.openxmlformats.org/drawingml/2006/main" xmlns:r="http://schemas.openxmlformats.org/officeDocument/2006/relationships" xmlns:p14="http://schemas.microsoft.com/office/powerpoint/2010/main" xmlns:a14="http://schemas.microsoft.com/office/drawing/2010/main" xmlns:p15="http://schemas.microsoft.com/office/powerpoint/2012/main" xmlns:p159="http://schemas.microsoft.com/office/powerpoint/2015/09/main" xmlns:p="http://schemas.openxmlformats.org/presentationml/2006/main" type="secHead" preserve="1">
+<p:sldLayout xmlns:a="http://schemas.openxmlformats.org/drawingml/2006/main" xmlns:r="http://schemas.openxmlformats.org/officeDocument/2006/relationships" xmlns:m="http://schemas.openxmlformats.org/officeDocument/2006/math" xmlns:w="http://schemas.openxmlformats.org/wordprocessingml/2006/main" xmlns:wp="http://schemas.openxmlformats.org/drawingml/2006/wordprocessingDrawing" xmlns:a14="http://schemas.microsoft.com/office/drawing/2010/main" xmlns:mc="http://schemas.openxmlformats.org/markup-compatibility/2006" xmlns:p14="http://schemas.microsoft.com/office/powerpoint/2010/main" xmlns:p15="http://schemas.microsoft.com/office/powerpoint/2012/main" xmlns:p159="http://schemas.microsoft.com/office/powerpoint/2015/09/main" xmlns:p="http://schemas.openxmlformats.org/presentationml/2006/main" type="secHead" preserve="1">
   <p:cSld name="Section Header">
     <p:spTree>
       <p:nvGrpSpPr>
-        <p:cNvPr id="1" name=""/>
+        <p:cNvPr id="1" name="" title=""/>
         <p:cNvGrpSpPr/>
         <p:nvPr/>
       </p:nvGrpSpPr>
@@ -939,7 +939,7 @@
       </p:grpSpPr>
       <p:sp>
         <p:nvSpPr>
-          <p:cNvPr id="2" name="Title 1"/>
+          <p:cNvPr id="2" name="Title 1" title=""/>
           <p:cNvSpPr>
             <a:spLocks noGrp="1"/>
           </p:cNvSpPr>
@@ -966,7 +966,7 @@
       </p:sp>
       <p:sp>
         <p:nvSpPr>
-          <p:cNvPr id="3" name="Text Placeholder 2"/>
+          <p:cNvPr id="3" name="Text Placeholder 2" title=""/>
           <p:cNvSpPr>
             <a:spLocks noGrp="1"/>
           </p:cNvSpPr>
@@ -1079,7 +1079,7 @@
       </p:sp>
       <p:sp>
         <p:nvSpPr>
-          <p:cNvPr id="4" name="Date Placeholder 3"/>
+          <p:cNvPr id="4" name="Date Placeholder 3" title=""/>
           <p:cNvSpPr>
             <a:spLocks noGrp="1"/>
           </p:cNvSpPr>
@@ -1092,7 +1092,7 @@
           <a:bodyPr/>
           <a:lstStyle/>
           <a:p>
-            <a:fld id="{1EFC158D-2A5B-48A3-97CA-6849ED76F4F7}" type="datetimeFigureOut">
+            <a:fld id="{1A6E046E-9C77-4D3A-AD87-21BFC6485B42}" type="datetimeFigureOut">
               <a:rPr lang="en-US" smtClean="0"/>
               <a:t>11/7/2009</a:t>
             </a:fld>
@@ -1102,7 +1102,7 @@
       </p:sp>
       <p:sp>
         <p:nvSpPr>
-          <p:cNvPr id="5" name="Footer Placeholder 4"/>
+          <p:cNvPr id="5" name="Footer Placeholder 4" title=""/>
           <p:cNvSpPr>
             <a:spLocks noGrp="1"/>
           </p:cNvSpPr>
@@ -1121,7 +1121,7 @@
       </p:sp>
       <p:sp>
         <p:nvSpPr>
-          <p:cNvPr id="6" name="Slide Number Placeholder 5"/>
+          <p:cNvPr id="6" name="Slide Number Placeholder 5" title=""/>
           <p:cNvSpPr>
             <a:spLocks noGrp="1"/>
           </p:cNvSpPr>
@@ -1153,11 +1153,11 @@
 </file>
 
 <file path=ppt/slideLayouts/slideLayout4.xml><?xml version="1.0" encoding="utf-8"?>
-<p:sldLayout xmlns:a="http://schemas.openxmlformats.org/drawingml/2006/main" xmlns:r="http://schemas.openxmlformats.org/officeDocument/2006/relationships" xmlns:p14="http://schemas.microsoft.com/office/powerpoint/2010/main" xmlns:a14="http://schemas.microsoft.com/office/drawing/2010/main" xmlns:p15="http://schemas.microsoft.com/office/powerpoint/2012/main" xmlns:p159="http://schemas.microsoft.com/office/powerpoint/2015/09/main" xmlns:p="http://schemas.openxmlformats.org/presentationml/2006/main" type="twoObj" preserve="1">
+<p:sldLayout xmlns:a="http://schemas.openxmlformats.org/drawingml/2006/main" xmlns:r="http://schemas.openxmlformats.org/officeDocument/2006/relationships" xmlns:m="http://schemas.openxmlformats.org/officeDocument/2006/math" xmlns:w="http://schemas.openxmlformats.org/wordprocessingml/2006/main" xmlns:wp="http://schemas.openxmlformats.org/drawingml/2006/wordprocessingDrawing" xmlns:a14="http://schemas.microsoft.com/office/drawing/2010/main" xmlns:mc="http://schemas.openxmlformats.org/markup-compatibility/2006" xmlns:p14="http://schemas.microsoft.com/office/powerpoint/2010/main" xmlns:p15="http://schemas.microsoft.com/office/powerpoint/2012/main" xmlns:p159="http://schemas.microsoft.com/office/powerpoint/2015/09/main" xmlns:p="http://schemas.openxmlformats.org/presentationml/2006/main" type="twoObj" preserve="1">
   <p:cSld name="Two Content">
     <p:spTree>
       <p:nvGrpSpPr>
-        <p:cNvPr id="1" name=""/>
+        <p:cNvPr id="1" name="" title=""/>
         <p:cNvGrpSpPr/>
         <p:nvPr/>
       </p:nvGrpSpPr>
@@ -1169,7 +1169,7 @@
       </p:grpSpPr>
       <p:sp>
         <p:nvSpPr>
-          <p:cNvPr id="2" name="Title 1"/>
+          <p:cNvPr id="2" name="Title 1" title=""/>
           <p:cNvSpPr>
             <a:spLocks noGrp="1"/>
           </p:cNvSpPr>
@@ -1192,7 +1192,7 @@
       </p:sp>
       <p:sp>
         <p:nvSpPr>
-          <p:cNvPr id="3" name="Content Placeholder 2"/>
+          <p:cNvPr id="3" name="Content Placeholder 2" title=""/>
           <p:cNvSpPr>
             <a:spLocks noGrp="1"/>
           </p:cNvSpPr>
@@ -1271,7 +1271,7 @@
       </p:sp>
       <p:sp>
         <p:nvSpPr>
-          <p:cNvPr id="4" name="Content Placeholder 3"/>
+          <p:cNvPr id="4" name="Content Placeholder 3" title=""/>
           <p:cNvSpPr>
             <a:spLocks noGrp="1"/>
           </p:cNvSpPr>
@@ -1350,7 +1350,7 @@
       </p:sp>
       <p:sp>
         <p:nvSpPr>
-          <p:cNvPr id="5" name="Date Placeholder 4"/>
+          <p:cNvPr id="5" name="Date Placeholder 4" title=""/>
           <p:cNvSpPr>
             <a:spLocks noGrp="1"/>
           </p:cNvSpPr>
@@ -1363,7 +1363,7 @@
           <a:bodyPr/>
           <a:lstStyle/>
           <a:p>
-            <a:fld id="{0E4F4D85-82E2-4793-AE8B-FD9B40A07D79}" type="datetimeFigureOut">
+            <a:fld id="{8AD3ACAC-80C7-4A61-AADA-6DDA536A117C}" type="datetimeFigureOut">
               <a:rPr lang="en-US" smtClean="0"/>
               <a:t>11/7/2009</a:t>
             </a:fld>
@@ -1373,7 +1373,7 @@
       </p:sp>
       <p:sp>
         <p:nvSpPr>
-          <p:cNvPr id="6" name="Footer Placeholder 5"/>
+          <p:cNvPr id="6" name="Footer Placeholder 5" title=""/>
           <p:cNvSpPr>
             <a:spLocks noGrp="1"/>
           </p:cNvSpPr>
@@ -1392,7 +1392,7 @@
       </p:sp>
       <p:sp>
         <p:nvSpPr>
-          <p:cNvPr id="7" name="Slide Number Placeholder 6"/>
+          <p:cNvPr id="7" name="Slide Number Placeholder 6" title=""/>
           <p:cNvSpPr>
             <a:spLocks noGrp="1"/>
           </p:cNvSpPr>
@@ -1424,11 +1424,11 @@
 </file>
 
 <file path=ppt/slideLayouts/slideLayout5.xml><?xml version="1.0" encoding="utf-8"?>
-<p:sldLayout xmlns:a="http://schemas.openxmlformats.org/drawingml/2006/main" xmlns:r="http://schemas.openxmlformats.org/officeDocument/2006/relationships" xmlns:p14="http://schemas.microsoft.com/office/powerpoint/2010/main" xmlns:a14="http://schemas.microsoft.com/office/drawing/2010/main" xmlns:p15="http://schemas.microsoft.com/office/powerpoint/2012/main" xmlns:p159="http://schemas.microsoft.com/office/powerpoint/2015/09/main" xmlns:p="http://schemas.openxmlformats.org/presentationml/2006/main" type="twoTxTwoObj" preserve="1">
+<p:sldLayout xmlns:a="http://schemas.openxmlformats.org/drawingml/2006/main" xmlns:r="http://schemas.openxmlformats.org/officeDocument/2006/relationships" xmlns:m="http://schemas.openxmlformats.org/officeDocument/2006/math" xmlns:w="http://schemas.openxmlformats.org/wordprocessingml/2006/main" xmlns:wp="http://schemas.openxmlformats.org/drawingml/2006/wordprocessingDrawing" xmlns:a14="http://schemas.microsoft.com/office/drawing/2010/main" xmlns:mc="http://schemas.openxmlformats.org/markup-compatibility/2006" xmlns:p14="http://schemas.microsoft.com/office/powerpoint/2010/main" xmlns:p15="http://schemas.microsoft.com/office/powerpoint/2012/main" xmlns:p159="http://schemas.microsoft.com/office/powerpoint/2015/09/main" xmlns:p="http://schemas.openxmlformats.org/presentationml/2006/main" type="twoTxTwoObj" preserve="1">
   <p:cSld name="Comparison">
     <p:spTree>
       <p:nvGrpSpPr>
-        <p:cNvPr id="1" name=""/>
+        <p:cNvPr id="1" name="" title=""/>
         <p:cNvGrpSpPr/>
         <p:nvPr/>
       </p:nvGrpSpPr>
@@ -1440,7 +1440,7 @@
       </p:grpSpPr>
       <p:sp>
         <p:nvSpPr>
-          <p:cNvPr id="2" name="Title 1"/>
+          <p:cNvPr id="2" name="Title 1" title=""/>
           <p:cNvSpPr>
             <a:spLocks noGrp="1"/>
           </p:cNvSpPr>
@@ -1463,7 +1463,7 @@
       </p:sp>
       <p:sp>
         <p:nvSpPr>
-          <p:cNvPr id="3" name="Text Placeholder 2"/>
+          <p:cNvPr id="3" name="Text Placeholder 2" title=""/>
           <p:cNvSpPr>
             <a:spLocks noGrp="1"/>
           </p:cNvSpPr>
@@ -1522,7 +1522,7 @@
       </p:sp>
       <p:sp>
         <p:nvSpPr>
-          <p:cNvPr id="4" name="Content Placeholder 3"/>
+          <p:cNvPr id="4" name="Content Placeholder 3" title=""/>
           <p:cNvSpPr>
             <a:spLocks noGrp="1"/>
           </p:cNvSpPr>
@@ -1601,7 +1601,7 @@
       </p:sp>
       <p:sp>
         <p:nvSpPr>
-          <p:cNvPr id="5" name="Text Placeholder 4"/>
+          <p:cNvPr id="5" name="Text Placeholder 4" title=""/>
           <p:cNvSpPr>
             <a:spLocks noGrp="1"/>
           </p:cNvSpPr>
@@ -1660,7 +1660,7 @@
       </p:sp>
       <p:sp>
         <p:nvSpPr>
-          <p:cNvPr id="6" name="Content Placeholder 5"/>
+          <p:cNvPr id="6" name="Content Placeholder 5" title=""/>
           <p:cNvSpPr>
             <a:spLocks noGrp="1"/>
           </p:cNvSpPr>
@@ -1739,7 +1739,7 @@
       </p:sp>
       <p:sp>
         <p:nvSpPr>
-          <p:cNvPr id="7" name="Date Placeholder 6"/>
+          <p:cNvPr id="7" name="Date Placeholder 6" title=""/>
           <p:cNvSpPr>
             <a:spLocks noGrp="1"/>
           </p:cNvSpPr>
@@ -1752,7 +1752,7 @@
           <a:bodyPr/>
           <a:lstStyle/>
           <a:p>
-            <a:fld id="{4F12E862-69BB-47B9-85F6-BA3AE6D227F0}" type="datetimeFigureOut">
+            <a:fld id="{5738F7FA-8380-4475-A6FB-F7D6E072101F}" type="datetimeFigureOut">
               <a:rPr lang="en-US" smtClean="0"/>
               <a:t>11/7/2009</a:t>
             </a:fld>
@@ -1762,7 +1762,7 @@
       </p:sp>
       <p:sp>
         <p:nvSpPr>
-          <p:cNvPr id="8" name="Footer Placeholder 7"/>
+          <p:cNvPr id="8" name="Footer Placeholder 7" title=""/>
           <p:cNvSpPr>
             <a:spLocks noGrp="1"/>
           </p:cNvSpPr>
@@ -1781,7 +1781,7 @@
       </p:sp>
       <p:sp>
         <p:nvSpPr>
-          <p:cNvPr id="9" name="Slide Number Placeholder 8"/>
+          <p:cNvPr id="9" name="Slide Number Placeholder 8" title=""/>
           <p:cNvSpPr>
             <a:spLocks noGrp="1"/>
           </p:cNvSpPr>
@@ -1813,11 +1813,11 @@
 </file>
 
 <file path=ppt/slideLayouts/slideLayout6.xml><?xml version="1.0" encoding="utf-8"?>
-<p:sldLayout xmlns:a="http://schemas.openxmlformats.org/drawingml/2006/main" xmlns:r="http://schemas.openxmlformats.org/officeDocument/2006/relationships" xmlns:p14="http://schemas.microsoft.com/office/powerpoint/2010/main" xmlns:a14="http://schemas.microsoft.com/office/drawing/2010/main" xmlns:p15="http://schemas.microsoft.com/office/powerpoint/2012/main" xmlns:p159="http://schemas.microsoft.com/office/powerpoint/2015/09/main" xmlns:p="http://schemas.openxmlformats.org/presentationml/2006/main" type="titleOnly" preserve="1">
+<p:sldLayout xmlns:a="http://schemas.openxmlformats.org/drawingml/2006/main" xmlns:r="http://schemas.openxmlformats.org/officeDocument/2006/relationships" xmlns:m="http://schemas.openxmlformats.org/officeDocument/2006/math" xmlns:w="http://schemas.openxmlformats.org/wordprocessingml/2006/main" xmlns:wp="http://schemas.openxmlformats.org/drawingml/2006/wordprocessingDrawing" xmlns:a14="http://schemas.microsoft.com/office/drawing/2010/main" xmlns:mc="http://schemas.openxmlformats.org/markup-compatibility/2006" xmlns:p14="http://schemas.microsoft.com/office/powerpoint/2010/main" xmlns:p15="http://schemas.microsoft.com/office/powerpoint/2012/main" xmlns:p159="http://schemas.microsoft.com/office/powerpoint/2015/09/main" xmlns:p="http://schemas.openxmlformats.org/presentationml/2006/main" type="titleOnly" preserve="1">
   <p:cSld name="Title Only">
     <p:spTree>
       <p:nvGrpSpPr>
-        <p:cNvPr id="1" name=""/>
+        <p:cNvPr id="1" name="" title=""/>
         <p:cNvGrpSpPr/>
         <p:nvPr/>
       </p:nvGrpSpPr>
@@ -1829,7 +1829,7 @@
       </p:grpSpPr>
       <p:sp>
         <p:nvSpPr>
-          <p:cNvPr id="2" name="Title 1"/>
+          <p:cNvPr id="2" name="Title 1" title=""/>
           <p:cNvSpPr>
             <a:spLocks noGrp="1"/>
           </p:cNvSpPr>
@@ -1852,7 +1852,7 @@
       </p:sp>
       <p:sp>
         <p:nvSpPr>
-          <p:cNvPr id="3" name="Date Placeholder 2"/>
+          <p:cNvPr id="3" name="Date Placeholder 2" title=""/>
           <p:cNvSpPr>
             <a:spLocks noGrp="1"/>
           </p:cNvSpPr>
@@ -1865,7 +1865,7 @@
           <a:bodyPr/>
           <a:lstStyle/>
           <a:p>
-            <a:fld id="{BC0829B6-7FE1-4516-A7E3-51CC2B74AE1B}" type="datetimeFigureOut">
+            <a:fld id="{915E533F-216B-4767-9AAB-99A964E38F88}" type="datetimeFigureOut">
               <a:rPr lang="en-US" smtClean="0"/>
               <a:t>11/7/2009</a:t>
             </a:fld>
@@ -1875,7 +1875,7 @@
       </p:sp>
       <p:sp>
         <p:nvSpPr>
-          <p:cNvPr id="4" name="Footer Placeholder 3"/>
+          <p:cNvPr id="4" name="Footer Placeholder 3" title=""/>
           <p:cNvSpPr>
             <a:spLocks noGrp="1"/>
           </p:cNvSpPr>
@@ -1894,7 +1894,7 @@
       </p:sp>
       <p:sp>
         <p:nvSpPr>
-          <p:cNvPr id="5" name="Slide Number Placeholder 4"/>
+          <p:cNvPr id="5" name="Slide Number Placeholder 4" title=""/>
           <p:cNvSpPr>
             <a:spLocks noGrp="1"/>
           </p:cNvSpPr>
@@ -1926,11 +1926,11 @@
 </file>
 
 <file path=ppt/slideLayouts/slideLayout7.xml><?xml version="1.0" encoding="utf-8"?>
-<p:sldLayout xmlns:a="http://schemas.openxmlformats.org/drawingml/2006/main" xmlns:r="http://schemas.openxmlformats.org/officeDocument/2006/relationships" xmlns:p14="http://schemas.microsoft.com/office/powerpoint/2010/main" xmlns:a14="http://schemas.microsoft.com/office/drawing/2010/main" xmlns:p15="http://schemas.microsoft.com/office/powerpoint/2012/main" xmlns:p159="http://schemas.microsoft.com/office/powerpoint/2015/09/main" xmlns:p="http://schemas.openxmlformats.org/presentationml/2006/main" type="blank" preserve="1">
+<p:sldLayout xmlns:a="http://schemas.openxmlformats.org/drawingml/2006/main" xmlns:r="http://schemas.openxmlformats.org/officeDocument/2006/relationships" xmlns:m="http://schemas.openxmlformats.org/officeDocument/2006/math" xmlns:w="http://schemas.openxmlformats.org/wordprocessingml/2006/main" xmlns:wp="http://schemas.openxmlformats.org/drawingml/2006/wordprocessingDrawing" xmlns:a14="http://schemas.microsoft.com/office/drawing/2010/main" xmlns:mc="http://schemas.openxmlformats.org/markup-compatibility/2006" xmlns:p14="http://schemas.microsoft.com/office/powerpoint/2010/main" xmlns:p15="http://schemas.microsoft.com/office/powerpoint/2012/main" xmlns:p159="http://schemas.microsoft.com/office/powerpoint/2015/09/main" xmlns:p="http://schemas.openxmlformats.org/presentationml/2006/main" type="blank" preserve="1">
   <p:cSld name="Blank">
     <p:spTree>
       <p:nvGrpSpPr>
-        <p:cNvPr id="1" name=""/>
+        <p:cNvPr id="1" name="" title=""/>
         <p:cNvGrpSpPr/>
         <p:nvPr/>
       </p:nvGrpSpPr>
@@ -1942,7 +1942,7 @@
       </p:grpSpPr>
       <p:sp>
         <p:nvSpPr>
-          <p:cNvPr id="2" name="Date Placeholder 1"/>
+          <p:cNvPr id="2" name="Date Placeholder 1" title=""/>
           <p:cNvSpPr>
             <a:spLocks noGrp="1"/>
           </p:cNvSpPr>
@@ -1955,7 +1955,7 @@
           <a:bodyPr/>
           <a:lstStyle/>
           <a:p>
-            <a:fld id="{9082C348-1779-4B9E-9B36-6EAA9B55C0B8}" type="datetimeFigureOut">
+            <a:fld id="{A7DF1A8E-D4FE-4BB3-A54F-DE0C5BE261FF}" type="datetimeFigureOut">
               <a:rPr lang="en-US" smtClean="0"/>
               <a:t>11/7/2009</a:t>
             </a:fld>
@@ -1965,7 +1965,7 @@
       </p:sp>
       <p:sp>
         <p:nvSpPr>
-          <p:cNvPr id="3" name="Footer Placeholder 2"/>
+          <p:cNvPr id="3" name="Footer Placeholder 2" title=""/>
           <p:cNvSpPr>
             <a:spLocks noGrp="1"/>
           </p:cNvSpPr>
@@ -1984,7 +1984,7 @@
       </p:sp>
       <p:sp>
         <p:nvSpPr>
-          <p:cNvPr id="4" name="Slide Number Placeholder 3"/>
+          <p:cNvPr id="4" name="Slide Number Placeholder 3" title=""/>
           <p:cNvSpPr>
             <a:spLocks noGrp="1"/>
           </p:cNvSpPr>
@@ -2016,11 +2016,11 @@
 </file>
 
 <file path=ppt/slideLayouts/slideLayout8.xml><?xml version="1.0" encoding="utf-8"?>
-<p:sldLayout xmlns:a="http://schemas.openxmlformats.org/drawingml/2006/main" xmlns:r="http://schemas.openxmlformats.org/officeDocument/2006/relationships" xmlns:p14="http://schemas.microsoft.com/office/powerpoint/2010/main" xmlns:a14="http://schemas.microsoft.com/office/drawing/2010/main" xmlns:p15="http://schemas.microsoft.com/office/powerpoint/2012/main" xmlns:p159="http://schemas.microsoft.com/office/powerpoint/2015/09/main" xmlns:p="http://schemas.openxmlformats.org/presentationml/2006/main" type="objTx" preserve="1">
+<p:sldLayout xmlns:a="http://schemas.openxmlformats.org/drawingml/2006/main" xmlns:r="http://schemas.openxmlformats.org/officeDocument/2006/relationships" xmlns:m="http://schemas.openxmlformats.org/officeDocument/2006/math" xmlns:w="http://schemas.openxmlformats.org/wordprocessingml/2006/main" xmlns:wp="http://schemas.openxmlformats.org/drawingml/2006/wordprocessingDrawing" xmlns:a14="http://schemas.microsoft.com/office/drawing/2010/main" xmlns:mc="http://schemas.openxmlformats.org/markup-compatibility/2006" xmlns:p14="http://schemas.microsoft.com/office/powerpoint/2010/main" xmlns:p15="http://schemas.microsoft.com/office/powerpoint/2012/main" xmlns:p159="http://schemas.microsoft.com/office/powerpoint/2015/09/main" xmlns:p="http://schemas.openxmlformats.org/presentationml/2006/main" type="objTx" preserve="1">
   <p:cSld name="Content with Caption">
     <p:spTree>
       <p:nvGrpSpPr>
-        <p:cNvPr id="1" name=""/>
+        <p:cNvPr id="1" name="" title=""/>
         <p:cNvGrpSpPr/>
         <p:nvPr/>
       </p:nvGrpSpPr>
@@ -2032,7 +2032,7 @@
       </p:grpSpPr>
       <p:sp>
         <p:nvSpPr>
-          <p:cNvPr id="2" name="Title 1"/>
+          <p:cNvPr id="2" name="Title 1" title=""/>
           <p:cNvSpPr>
             <a:spLocks noGrp="1"/>
           </p:cNvSpPr>
@@ -2059,7 +2059,7 @@
       </p:sp>
       <p:sp>
         <p:nvSpPr>
-          <p:cNvPr id="3" name="Content Placeholder 2"/>
+          <p:cNvPr id="3" name="Content Placeholder 2" title=""/>
           <p:cNvSpPr>
             <a:spLocks noGrp="1"/>
           </p:cNvSpPr>
@@ -2138,7 +2138,7 @@
       </p:sp>
       <p:sp>
         <p:nvSpPr>
-          <p:cNvPr id="4" name="Text Placeholder 3"/>
+          <p:cNvPr id="4" name="Text Placeholder 3" title=""/>
           <p:cNvSpPr>
             <a:spLocks noGrp="1"/>
           </p:cNvSpPr>
@@ -2197,7 +2197,7 @@
       </p:sp>
       <p:sp>
         <p:nvSpPr>
-          <p:cNvPr id="5" name="Date Placeholder 4"/>
+          <p:cNvPr id="5" name="Date Placeholder 4" title=""/>
           <p:cNvSpPr>
             <a:spLocks noGrp="1"/>
           </p:cNvSpPr>
@@ -2210,7 +2210,7 @@
           <a:bodyPr/>
           <a:lstStyle/>
           <a:p>
-            <a:fld id="{170175B8-DDBD-479D-9B34-5638992735DB}" type="datetimeFigureOut">
+            <a:fld id="{A4F36226-C28D-4326-957D-42964659528D}" type="datetimeFigureOut">
               <a:rPr lang="en-US" smtClean="0"/>
               <a:t>11/7/2009</a:t>
             </a:fld>
@@ -2220,7 +2220,7 @@
       </p:sp>
       <p:sp>
         <p:nvSpPr>
-          <p:cNvPr id="6" name="Footer Placeholder 5"/>
+          <p:cNvPr id="6" name="Footer Placeholder 5" title=""/>
           <p:cNvSpPr>
             <a:spLocks noGrp="1"/>
           </p:cNvSpPr>
@@ -2239,7 +2239,7 @@
       </p:sp>
       <p:sp>
         <p:nvSpPr>
-          <p:cNvPr id="7" name="Slide Number Placeholder 6"/>
+          <p:cNvPr id="7" name="Slide Number Placeholder 6" title=""/>
           <p:cNvSpPr>
             <a:spLocks noGrp="1"/>
           </p:cNvSpPr>
@@ -2271,11 +2271,11 @@
 </file>
 
 <file path=ppt/slideLayouts/slideLayout9.xml><?xml version="1.0" encoding="utf-8"?>
-<p:sldLayout xmlns:a="http://schemas.openxmlformats.org/drawingml/2006/main" xmlns:r="http://schemas.openxmlformats.org/officeDocument/2006/relationships" xmlns:p14="http://schemas.microsoft.com/office/powerpoint/2010/main" xmlns:a14="http://schemas.microsoft.com/office/drawing/2010/main" xmlns:p15="http://schemas.microsoft.com/office/powerpoint/2012/main" xmlns:p159="http://schemas.microsoft.com/office/powerpoint/2015/09/main" xmlns:p="http://schemas.openxmlformats.org/presentationml/2006/main" type="picTx" preserve="1">
+<p:sldLayout xmlns:a="http://schemas.openxmlformats.org/drawingml/2006/main" xmlns:r="http://schemas.openxmlformats.org/officeDocument/2006/relationships" xmlns:m="http://schemas.openxmlformats.org/officeDocument/2006/math" xmlns:w="http://schemas.openxmlformats.org/wordprocessingml/2006/main" xmlns:wp="http://schemas.openxmlformats.org/drawingml/2006/wordprocessingDrawing" xmlns:a14="http://schemas.microsoft.com/office/drawing/2010/main" xmlns:mc="http://schemas.openxmlformats.org/markup-compatibility/2006" xmlns:p14="http://schemas.microsoft.com/office/powerpoint/2010/main" xmlns:p15="http://schemas.microsoft.com/office/powerpoint/2012/main" xmlns:p159="http://schemas.microsoft.com/office/powerpoint/2015/09/main" xmlns:p="http://schemas.openxmlformats.org/presentationml/2006/main" type="picTx" preserve="1">
   <p:cSld name="Picture with Caption">
     <p:spTree>
       <p:nvGrpSpPr>
-        <p:cNvPr id="1" name=""/>
+        <p:cNvPr id="1" name="" title=""/>
         <p:cNvGrpSpPr/>
         <p:nvPr/>
       </p:nvGrpSpPr>
@@ -2287,7 +2287,7 @@
       </p:grpSpPr>
       <p:sp>
         <p:nvSpPr>
-          <p:cNvPr id="2" name="Title 1"/>
+          <p:cNvPr id="2" name="Title 1" title=""/>
           <p:cNvSpPr>
             <a:spLocks noGrp="1"/>
           </p:cNvSpPr>
@@ -2314,7 +2314,7 @@
       </p:sp>
       <p:sp>
         <p:nvSpPr>
-          <p:cNvPr id="3" name="Picture Placeholder 2"/>
+          <p:cNvPr id="3" name="Picture Placeholder 2" title=""/>
           <p:cNvSpPr>
             <a:spLocks noGrp="1"/>
           </p:cNvSpPr>
@@ -2370,7 +2370,7 @@
       </p:sp>
       <p:sp>
         <p:nvSpPr>
-          <p:cNvPr id="4" name="Text Placeholder 3"/>
+          <p:cNvPr id="4" name="Text Placeholder 3" title=""/>
           <p:cNvSpPr>
             <a:spLocks noGrp="1"/>
           </p:cNvSpPr>
@@ -2429,7 +2429,7 @@
       </p:sp>
       <p:sp>
         <p:nvSpPr>
-          <p:cNvPr id="5" name="Date Placeholder 4"/>
+          <p:cNvPr id="5" name="Date Placeholder 4" title=""/>
           <p:cNvSpPr>
             <a:spLocks noGrp="1"/>
           </p:cNvSpPr>
@@ -2442,7 +2442,7 @@
           <a:bodyPr/>
           <a:lstStyle/>
           <a:p>
-            <a:fld id="{F9DC63A0-13CD-45DD-97B4-F7A67364007D}" type="datetimeFigureOut">
+            <a:fld id="{FCCAB630-DD05-4C9A-98A0-3F18732EA57E}" type="datetimeFigureOut">
               <a:rPr lang="en-US" smtClean="0"/>
               <a:t>11/7/2009</a:t>
             </a:fld>
@@ -2452,7 +2452,7 @@
       </p:sp>
       <p:sp>
         <p:nvSpPr>
-          <p:cNvPr id="6" name="Footer Placeholder 5"/>
+          <p:cNvPr id="6" name="Footer Placeholder 5" title=""/>
           <p:cNvSpPr>
             <a:spLocks noGrp="1"/>
           </p:cNvSpPr>
@@ -2471,7 +2471,7 @@
       </p:sp>
       <p:sp>
         <p:nvSpPr>
-          <p:cNvPr id="7" name="Slide Number Placeholder 6"/>
+          <p:cNvPr id="7" name="Slide Number Placeholder 6" title=""/>
           <p:cNvSpPr>
             <a:spLocks noGrp="1"/>
           </p:cNvSpPr>
@@ -2503,7 +2503,7 @@
 </file>
 
 <file path=ppt/slideMasters/slideMaster1.xml><?xml version="1.0" encoding="utf-8"?>
-<p:sldMaster xmlns:a="http://schemas.openxmlformats.org/drawingml/2006/main" xmlns:r="http://schemas.openxmlformats.org/officeDocument/2006/relationships" xmlns:p14="http://schemas.microsoft.com/office/powerpoint/2010/main" xmlns:a14="http://schemas.microsoft.com/office/drawing/2010/main" xmlns:p15="http://schemas.microsoft.com/office/powerpoint/2012/main" xmlns:p159="http://schemas.microsoft.com/office/powerpoint/2015/09/main" xmlns:p="http://schemas.openxmlformats.org/presentationml/2006/main">
+<p:sldMaster xmlns:a="http://schemas.openxmlformats.org/drawingml/2006/main" xmlns:r="http://schemas.openxmlformats.org/officeDocument/2006/relationships" xmlns:m="http://schemas.openxmlformats.org/officeDocument/2006/math" xmlns:w="http://schemas.openxmlformats.org/wordprocessingml/2006/main" xmlns:wp="http://schemas.openxmlformats.org/drawingml/2006/wordprocessingDrawing" xmlns:a14="http://schemas.microsoft.com/office/drawing/2010/main" xmlns:mc="http://schemas.openxmlformats.org/markup-compatibility/2006" xmlns:p14="http://schemas.microsoft.com/office/powerpoint/2010/main" xmlns:p15="http://schemas.microsoft.com/office/powerpoint/2012/main" xmlns:p159="http://schemas.microsoft.com/office/powerpoint/2015/09/main" xmlns:p="http://schemas.openxmlformats.org/presentationml/2006/main">
   <p:cSld>
     <p:bg>
       <p:bgRef idx="1001">
@@ -2512,7 +2512,7 @@
     </p:bg>
     <p:spTree>
       <p:nvGrpSpPr>
-        <p:cNvPr id="1" name=""/>
+        <p:cNvPr id="1" name="" title=""/>
         <p:cNvGrpSpPr/>
         <p:nvPr/>
       </p:nvGrpSpPr>
@@ -2524,7 +2524,7 @@
       </p:grpSpPr>
       <p:sp>
         <p:nvSpPr>
-          <p:cNvPr id="2" name="Title Placeholder 1"/>
+          <p:cNvPr id="2" name="Title Placeholder 1" title=""/>
           <p:cNvSpPr>
             <a:spLocks noGrp="1"/>
           </p:cNvSpPr>
@@ -2557,7 +2557,7 @@
       </p:sp>
       <p:sp>
         <p:nvSpPr>
-          <p:cNvPr id="3" name="Text Placeholder 2"/>
+          <p:cNvPr id="3" name="Text Placeholder 2" title=""/>
           <p:cNvSpPr>
             <a:spLocks noGrp="1"/>
           </p:cNvSpPr>
@@ -2618,7 +2618,7 @@
       </p:sp>
       <p:sp>
         <p:nvSpPr>
-          <p:cNvPr id="4" name="Date Placeholder 3"/>
+          <p:cNvPr id="4" name="Date Placeholder 3" title=""/>
           <p:cNvSpPr>
             <a:spLocks noGrp="1"/>
           </p:cNvSpPr>
@@ -2659,7 +2659,7 @@
       </p:sp>
       <p:sp>
         <p:nvSpPr>
-          <p:cNvPr id="5" name="Footer Placeholder 4"/>
+          <p:cNvPr id="5" name="Footer Placeholder 4" title=""/>
           <p:cNvSpPr>
             <a:spLocks noGrp="1"/>
           </p:cNvSpPr>
@@ -2696,7 +2696,7 @@
       </p:sp>
       <p:sp>
         <p:nvSpPr>
-          <p:cNvPr id="6" name="Slide Number Placeholder 5"/>
+          <p:cNvPr id="6" name="Slide Number Placeholder 5" title=""/>
           <p:cNvSpPr>
             <a:spLocks noGrp="1"/>
           </p:cNvSpPr>
@@ -3007,11 +3007,11 @@
 </file>
 
 <file path=ppt/slides/slide1.xml><?xml version="1.0" encoding="utf-8"?>
-<p:sld xmlns:a="http://schemas.openxmlformats.org/drawingml/2006/main" xmlns:r="http://schemas.openxmlformats.org/officeDocument/2006/relationships" xmlns:p14="http://schemas.microsoft.com/office/powerpoint/2010/main" xmlns:a14="http://schemas.microsoft.com/office/drawing/2010/main" xmlns:p15="http://schemas.microsoft.com/office/powerpoint/2012/main" xmlns:p159="http://schemas.microsoft.com/office/powerpoint/2015/09/main" xmlns:p="http://schemas.openxmlformats.org/presentationml/2006/main">
+<p:sld xmlns:a="http://schemas.openxmlformats.org/drawingml/2006/main" xmlns:r="http://schemas.openxmlformats.org/officeDocument/2006/relationships" xmlns:m="http://schemas.openxmlformats.org/officeDocument/2006/math" xmlns:w="http://schemas.openxmlformats.org/wordprocessingml/2006/main" xmlns:wp="http://schemas.openxmlformats.org/drawingml/2006/wordprocessingDrawing" xmlns:a14="http://schemas.microsoft.com/office/drawing/2010/main" xmlns:mc="http://schemas.openxmlformats.org/markup-compatibility/2006" xmlns:p14="http://schemas.microsoft.com/office/powerpoint/2010/main" xmlns:p15="http://schemas.microsoft.com/office/powerpoint/2012/main" xmlns:p159="http://schemas.microsoft.com/office/powerpoint/2015/09/main" xmlns:p="http://schemas.openxmlformats.org/presentationml/2006/main">
   <p:cSld name="">
     <p:spTree>
       <p:nvGrpSpPr>
-        <p:cNvPr id="1" name=""/>
+        <p:cNvPr id="1" name="" title=""/>
         <p:cNvGrpSpPr/>
         <p:nvPr/>
       </p:nvGrpSpPr>
@@ -3023,7 +3023,7 @@
       </p:grpSpPr>
       <p:graphicFrame>
         <p:nvGraphicFramePr>
-          <p:cNvPr id="2" name="ChartObject"/>
+          <p:cNvPr id="2" name="ChartObject" title=""/>
           <p:cNvGraphicFramePr/>
           <p:nvPr/>
         </p:nvGraphicFramePr>
@@ -3037,6 +3037,77 @@
           </a:graphicData>
         </a:graphic>
       </p:graphicFrame>
+      <p:sp>
+        <p:nvSpPr>
+          <p:cNvPr id="3" name="TextBox"/>
+          <p:cNvSpPr txBox="1">
+            <a:spLocks noGrp="1" noSelect="1" noRot="1" noMove="1"/>
+          </p:cNvSpPr>
+          <p:nvPr/>
+        </p:nvSpPr>
+        <p:spPr>
+          <a:xfrm>
+            <a:off x="1366520" y="2644140"/>
+            <a:ext cx="6411372" cy="1569660"/>
+          </a:xfrm>
+          <a:prstGeom prst="rect">
+            <a:avLst/>
+          </a:prstGeom>
+          <a:noFill/>
+        </p:spPr>
+        <p:txBody>
+          <a:bodyPr wrap="none" rtlCol="0" anchor="ctr" anchorCtr="1">
+            <a:spAutoFit/>
+          </a:bodyPr>
+          <a:lstStyle>
+            <a:lvl1pPr algn="l">
+              <a:lnSpc>
+                <a:spcPct val="150000"/>
+              </a:lnSpc>
+              <a:spcBef>
+                <a:spcPct val="0"/>
+              </a:spcBef>
+              <a:spcAft>
+                <a:spcPct val="0"/>
+              </a:spcAft>
+              <a:defRPr lang="en-US" sz="3200" b="1" noProof="1" dirty="0">
+                <a:solidFill>
+                  <a:prstClr val="red">
+                    <a:lumOff val="30000"/>
+                    <a:alpha val="40000"/>
+                  </a:prstClr>
+                </a:solidFill>
+                <a:effectLst>
+                  <a:outerShdw blurRad="50800" dist="38100" algn="tr" rotWithShape="0">
+                    <a:prstClr val="black">
+                      <a:alpha val="80000"/>
+                    </a:prstClr>
+                  </a:outerShdw>
+                </a:effectLst>
+                <a:latin typeface="Calibri" pitchFamily="34" charset="0"/>
+              </a:defRPr>
+            </a:lvl1pPr>
+          </a:lstStyle>
+          <a:p>
+            <a:pPr algn="ctr"/>
+            <a:r>
+              <a:t>Evaluation only.</a:t>
+            </a:r>
+          </a:p>
+          <a:p>
+            <a:pPr algn="ctr"/>
+            <a:r>
+              <a:t>Created with Aspose.Slides for .NET 4.0 Client Profile 21.12.</a:t>
+            </a:r>
+          </a:p>
+          <a:p>
+            <a:pPr algn="ctr"/>
+            <a:r>
+              <a:t>Copyright 2004-2021Aspose Pty Ltd.</a:t>
+            </a:r>
+          </a:p>
+        </p:txBody>
+      </p:sp>
     </p:spTree>
   </p:cSld>
   <p:clrMapOvr>
@@ -3050,10 +3121,10 @@
 <file path=ppt/tags/tag1.xml><?xml version="1.0" encoding="utf-8"?>
 <p:tagLst xmlns:p="http://schemas.openxmlformats.org/presentationml/2006/main">
   <p:tag name="AS_NET" val="4.0.30319.42000"/>
-  <p:tag name="AS_OS" val="Microsoft Windows NT 6.2.9200.0"/>
-  <p:tag name="AS_RELEASE_DATE" val="2019.06.14"/>
+  <p:tag name="AS_OS" val="Microsoft Windows NT 6.3.9600.0"/>
+  <p:tag name="AS_RELEASE_DATE" val="2021.12.14"/>
   <p:tag name="AS_TITLE" val="Aspose.Slides for .NET 4.0 Client Profile"/>
-  <p:tag name="AS_VERSION" val="19.6"/>
+  <p:tag name="AS_VERSION" val="21.12"/>
 </p:tagLst>
 </file>
 
